--- a/RBM-in-Tensorflow.pptx
+++ b/RBM-in-Tensorflow.pptx
@@ -4400,7 +4400,7 @@
               <a:t>’</a:t>
             </a:r>
             <a:r>
-              <a:rPr lang="en-US" smtClean="0"/>
+              <a:rPr lang="en-US" dirty="0" smtClean="0"/>
               <a:t>s reconstruction- viewable after the program has executed. </a:t>
             </a:r>
             <a:endParaRPr lang="en-US" dirty="0"/>
@@ -5271,15 +5271,13 @@
             </a:r>
             <a:r>
               <a:rPr lang="en-US" dirty="0" smtClean="0"/>
-              <a:t> and the sampled probabilities from the hidden layer. </a:t>
-            </a:r>
-          </a:p>
-          <a:p>
-            <a:r>
-              <a:rPr lang="en-US" dirty="0" smtClean="0"/>
-              <a:t>We will perform CD-2- meaning that the input will be passed into the RBM then sampled from the hidden layer twice. </a:t>
-            </a:r>
-            <a:endParaRPr lang="en-US" dirty="0"/>
+              <a:t> and the sampled probabilities from the hidden layer</a:t>
+            </a:r>
+            <a:r>
+              <a:rPr lang="en-US" smtClean="0"/>
+              <a:t>. </a:t>
+            </a:r>
+            <a:endParaRPr lang="en-US" dirty="0" smtClean="0"/>
           </a:p>
         </p:txBody>
       </p:sp>
